--- a/lectures/week10/lecture3/slides/week10_lecture3.pptx
+++ b/lectures/week10/lecture3/slides/week10_lecture3.pptx
@@ -7460,7 +7460,7 @@
             <a:pPr lvl="1"/>
             <a:r>
               <a:rPr lang="en-US" dirty="0"/>
-              <a:t>More Containers and Advanced Functions</a:t>
+              <a:t>Cancelled</a:t>
             </a:r>
           </a:p>
           <a:p>
@@ -14681,7 +14681,7 @@
                 <a:latin typeface="Courier New" panose="02070309020205020404" pitchFamily="49" charset="0"/>
                 <a:cs typeface="Courier New" panose="02070309020205020404" pitchFamily="49" charset="0"/>
               </a:rPr>
-              <a:t>p3 = Point(3, 4).halfway(Point(5, 12))</a:t>
+              <a:t>p3 = Point(3, 4).midpoint(Point(5, 12))</a:t>
             </a:r>
           </a:p>
           <a:p>
